--- a/Capstone.pptx
+++ b/Capstone.pptx
@@ -10,10 +10,17 @@
     <p:sldId id="257" r:id="rId4"/>
     <p:sldId id="258" r:id="rId5"/>
     <p:sldId id="260" r:id="rId6"/>
-    <p:sldId id="261" r:id="rId7"/>
-    <p:sldId id="262" r:id="rId8"/>
-    <p:sldId id="263" r:id="rId9"/>
-    <p:sldId id="264" r:id="rId10"/>
+    <p:sldId id="266" r:id="rId7"/>
+    <p:sldId id="261" r:id="rId8"/>
+    <p:sldId id="262" r:id="rId9"/>
+    <p:sldId id="265" r:id="rId10"/>
+    <p:sldId id="267" r:id="rId11"/>
+    <p:sldId id="263" r:id="rId12"/>
+    <p:sldId id="268" r:id="rId13"/>
+    <p:sldId id="269" r:id="rId14"/>
+    <p:sldId id="270" r:id="rId15"/>
+    <p:sldId id="271" r:id="rId16"/>
+    <p:sldId id="264" r:id="rId17"/>
   </p:sldIdLst>
   <p:sldSz cx="9144000" cy="6858000" type="screen4x3"/>
   <p:notesSz cx="6858000" cy="9144000"/>
@@ -309,7 +316,7 @@
           <a:p>
             <a:fld id="{14F79868-8C2C-46EC-818A-7966C23C74F8}" type="datetimeFigureOut">
               <a:rPr lang="en-US" smtClean="0"/>
-              <a:t>8/4/2016</a:t>
+              <a:t>8/10/2016</a:t>
             </a:fld>
             <a:endParaRPr lang="en-US"/>
           </a:p>
@@ -474,7 +481,7 @@
           <a:p>
             <a:fld id="{14F79868-8C2C-46EC-818A-7966C23C74F8}" type="datetimeFigureOut">
               <a:rPr lang="en-US" smtClean="0"/>
-              <a:t>8/4/2016</a:t>
+              <a:t>8/10/2016</a:t>
             </a:fld>
             <a:endParaRPr lang="en-US"/>
           </a:p>
@@ -649,7 +656,7 @@
           <a:p>
             <a:fld id="{14F79868-8C2C-46EC-818A-7966C23C74F8}" type="datetimeFigureOut">
               <a:rPr lang="en-US" smtClean="0"/>
-              <a:t>8/4/2016</a:t>
+              <a:t>8/10/2016</a:t>
             </a:fld>
             <a:endParaRPr lang="en-US"/>
           </a:p>
@@ -814,7 +821,7 @@
           <a:p>
             <a:fld id="{14F79868-8C2C-46EC-818A-7966C23C74F8}" type="datetimeFigureOut">
               <a:rPr lang="en-US" smtClean="0"/>
-              <a:t>8/4/2016</a:t>
+              <a:t>8/10/2016</a:t>
             </a:fld>
             <a:endParaRPr lang="en-US"/>
           </a:p>
@@ -1055,7 +1062,7 @@
           <a:p>
             <a:fld id="{14F79868-8C2C-46EC-818A-7966C23C74F8}" type="datetimeFigureOut">
               <a:rPr lang="en-US" smtClean="0"/>
-              <a:t>8/4/2016</a:t>
+              <a:t>8/10/2016</a:t>
             </a:fld>
             <a:endParaRPr lang="en-US"/>
           </a:p>
@@ -1338,7 +1345,7 @@
           <a:p>
             <a:fld id="{14F79868-8C2C-46EC-818A-7966C23C74F8}" type="datetimeFigureOut">
               <a:rPr lang="en-US" smtClean="0"/>
-              <a:t>8/4/2016</a:t>
+              <a:t>8/10/2016</a:t>
             </a:fld>
             <a:endParaRPr lang="en-US"/>
           </a:p>
@@ -1767,7 +1774,7 @@
           <a:p>
             <a:fld id="{14F79868-8C2C-46EC-818A-7966C23C74F8}" type="datetimeFigureOut">
               <a:rPr lang="en-US" smtClean="0"/>
-              <a:t>8/4/2016</a:t>
+              <a:t>8/10/2016</a:t>
             </a:fld>
             <a:endParaRPr lang="en-US"/>
           </a:p>
@@ -1880,7 +1887,7 @@
           <a:p>
             <a:fld id="{14F79868-8C2C-46EC-818A-7966C23C74F8}" type="datetimeFigureOut">
               <a:rPr lang="en-US" smtClean="0"/>
-              <a:t>8/4/2016</a:t>
+              <a:t>8/10/2016</a:t>
             </a:fld>
             <a:endParaRPr lang="en-US"/>
           </a:p>
@@ -1970,7 +1977,7 @@
           <a:p>
             <a:fld id="{14F79868-8C2C-46EC-818A-7966C23C74F8}" type="datetimeFigureOut">
               <a:rPr lang="en-US" smtClean="0"/>
-              <a:t>8/4/2016</a:t>
+              <a:t>8/10/2016</a:t>
             </a:fld>
             <a:endParaRPr lang="en-US"/>
           </a:p>
@@ -2159,7 +2166,7 @@
           <a:p>
             <a:fld id="{14F79868-8C2C-46EC-818A-7966C23C74F8}" type="datetimeFigureOut">
               <a:rPr lang="en-US" smtClean="0"/>
-              <a:t>8/4/2016</a:t>
+              <a:t>8/10/2016</a:t>
             </a:fld>
             <a:endParaRPr lang="en-US"/>
           </a:p>
@@ -2477,7 +2484,7 @@
           <a:p>
             <a:fld id="{14F79868-8C2C-46EC-818A-7966C23C74F8}" type="datetimeFigureOut">
               <a:rPr lang="en-US" smtClean="0"/>
-              <a:t>8/4/2016</a:t>
+              <a:t>8/10/2016</a:t>
             </a:fld>
             <a:endParaRPr lang="en-US"/>
           </a:p>
@@ -2856,7 +2863,7 @@
           <a:p>
             <a:fld id="{14F79868-8C2C-46EC-818A-7966C23C74F8}" type="datetimeFigureOut">
               <a:rPr lang="en-US" smtClean="0"/>
-              <a:t>8/4/2016</a:t>
+              <a:t>8/10/2016</a:t>
             </a:fld>
             <a:endParaRPr lang="en-US"/>
           </a:p>
@@ -3230,6 +3237,697 @@
 </p:sld>
 </file>
 
+<file path=ppt/slides/slide10.xml><?xml version="1.0" encoding="utf-8"?>
+<p:sld xmlns:a="http://schemas.openxmlformats.org/drawingml/2006/main" xmlns:r="http://schemas.openxmlformats.org/officeDocument/2006/relationships" xmlns:p="http://schemas.openxmlformats.org/presentationml/2006/main">
+  <p:cSld>
+    <p:spTree>
+      <p:nvGrpSpPr>
+        <p:cNvPr id="1" name=""/>
+        <p:cNvGrpSpPr/>
+        <p:nvPr/>
+      </p:nvGrpSpPr>
+      <p:grpSpPr>
+        <a:xfrm>
+          <a:off x="0" y="0"/>
+          <a:ext cx="0" cy="0"/>
+          <a:chOff x="0" y="0"/>
+          <a:chExt cx="0" cy="0"/>
+        </a:xfrm>
+      </p:grpSpPr>
+      <p:sp>
+        <p:nvSpPr>
+          <p:cNvPr id="2" name="Title 1"/>
+          <p:cNvSpPr>
+            <a:spLocks noGrp="1"/>
+          </p:cNvSpPr>
+          <p:nvPr>
+            <p:ph type="title"/>
+          </p:nvPr>
+        </p:nvSpPr>
+        <p:spPr/>
+        <p:txBody>
+          <a:bodyPr/>
+          <a:lstStyle/>
+          <a:p>
+            <a:r>
+              <a:rPr lang="en-US" dirty="0" smtClean="0"/>
+              <a:t>Feature Engineering/Challenges Unique to this dataset</a:t>
+            </a:r>
+            <a:endParaRPr lang="en-US" dirty="0"/>
+          </a:p>
+        </p:txBody>
+      </p:sp>
+      <p:sp>
+        <p:nvSpPr>
+          <p:cNvPr id="3" name="Content Placeholder 2"/>
+          <p:cNvSpPr>
+            <a:spLocks noGrp="1"/>
+          </p:cNvSpPr>
+          <p:nvPr>
+            <p:ph idx="1"/>
+          </p:nvPr>
+        </p:nvSpPr>
+        <p:spPr/>
+        <p:txBody>
+          <a:bodyPr/>
+          <a:lstStyle/>
+          <a:p>
+            <a:r>
+              <a:rPr lang="en-US" dirty="0" smtClean="0"/>
+              <a:t>Packages</a:t>
+            </a:r>
+          </a:p>
+          <a:p>
+            <a:r>
+              <a:rPr lang="en-US" dirty="0" smtClean="0"/>
+              <a:t>What I used to help w this project, what my approach(</a:t>
+            </a:r>
+            <a:r>
+              <a:rPr lang="en-US" dirty="0" err="1" smtClean="0"/>
+              <a:t>es</a:t>
+            </a:r>
+            <a:r>
+              <a:rPr lang="en-US" dirty="0" smtClean="0"/>
+              <a:t>) consisted of</a:t>
+            </a:r>
+            <a:endParaRPr lang="en-US" dirty="0"/>
+          </a:p>
+        </p:txBody>
+      </p:sp>
+    </p:spTree>
+    <p:extLst>
+      <p:ext uri="{BB962C8B-B14F-4D97-AF65-F5344CB8AC3E}">
+        <p14:creationId xmlns:p14="http://schemas.microsoft.com/office/powerpoint/2010/main" val="1363618277"/>
+      </p:ext>
+    </p:extLst>
+  </p:cSld>
+  <p:clrMapOvr>
+    <a:masterClrMapping/>
+  </p:clrMapOvr>
+</p:sld>
+</file>
+
+<file path=ppt/slides/slide11.xml><?xml version="1.0" encoding="utf-8"?>
+<p:sld xmlns:a="http://schemas.openxmlformats.org/drawingml/2006/main" xmlns:r="http://schemas.openxmlformats.org/officeDocument/2006/relationships" xmlns:p="http://schemas.openxmlformats.org/presentationml/2006/main">
+  <p:cSld>
+    <p:spTree>
+      <p:nvGrpSpPr>
+        <p:cNvPr id="1" name=""/>
+        <p:cNvGrpSpPr/>
+        <p:nvPr/>
+      </p:nvGrpSpPr>
+      <p:grpSpPr>
+        <a:xfrm>
+          <a:off x="0" y="0"/>
+          <a:ext cx="0" cy="0"/>
+          <a:chOff x="0" y="0"/>
+          <a:chExt cx="0" cy="0"/>
+        </a:xfrm>
+      </p:grpSpPr>
+      <p:sp>
+        <p:nvSpPr>
+          <p:cNvPr id="2" name="Title 1"/>
+          <p:cNvSpPr>
+            <a:spLocks noGrp="1"/>
+          </p:cNvSpPr>
+          <p:nvPr>
+            <p:ph type="title"/>
+          </p:nvPr>
+        </p:nvSpPr>
+        <p:spPr/>
+        <p:txBody>
+          <a:bodyPr/>
+          <a:lstStyle/>
+          <a:p>
+            <a:r>
+              <a:rPr lang="en-US" dirty="0" smtClean="0"/>
+              <a:t>Step 3</a:t>
+            </a:r>
+            <a:endParaRPr lang="en-US" dirty="0"/>
+          </a:p>
+        </p:txBody>
+      </p:sp>
+      <p:sp>
+        <p:nvSpPr>
+          <p:cNvPr id="3" name="Content Placeholder 2"/>
+          <p:cNvSpPr>
+            <a:spLocks noGrp="1"/>
+          </p:cNvSpPr>
+          <p:nvPr>
+            <p:ph idx="1"/>
+          </p:nvPr>
+        </p:nvSpPr>
+        <p:spPr/>
+        <p:txBody>
+          <a:bodyPr>
+            <a:normAutofit lnSpcReduction="10000"/>
+          </a:bodyPr>
+          <a:lstStyle/>
+          <a:p>
+            <a:r>
+              <a:rPr lang="en-US" dirty="0" smtClean="0"/>
+              <a:t>Best alternative method</a:t>
+            </a:r>
+          </a:p>
+          <a:p>
+            <a:endParaRPr lang="en-US" dirty="0"/>
+          </a:p>
+          <a:p>
+            <a:r>
+              <a:rPr lang="en-US" dirty="0" smtClean="0"/>
+              <a:t>Evaluate how much better than original COMPAS scores, predictive value add-on</a:t>
+            </a:r>
+          </a:p>
+          <a:p>
+            <a:endParaRPr lang="en-US" dirty="0"/>
+          </a:p>
+          <a:p>
+            <a:r>
+              <a:rPr lang="en-US" dirty="0" smtClean="0"/>
+              <a:t>Ways model(s) could be improved</a:t>
+            </a:r>
+          </a:p>
+          <a:p>
+            <a:endParaRPr lang="en-US" dirty="0"/>
+          </a:p>
+          <a:p>
+            <a:r>
+              <a:rPr lang="en-US" dirty="0" smtClean="0"/>
+              <a:t>Maybe use COMPAS score + confidence interval? </a:t>
+            </a:r>
+          </a:p>
+          <a:p>
+            <a:pPr lvl="1"/>
+            <a:r>
+              <a:rPr lang="en-US" dirty="0" smtClean="0"/>
+              <a:t>Helps indicate grain of salt vs. high likelihood</a:t>
+            </a:r>
+          </a:p>
+          <a:p>
+            <a:endParaRPr lang="en-US" dirty="0"/>
+          </a:p>
+          <a:p>
+            <a:r>
+              <a:rPr lang="en-US" dirty="0" smtClean="0"/>
+              <a:t>What other variables might be helpful/useful to collect moving forward</a:t>
+            </a:r>
+          </a:p>
+          <a:p>
+            <a:pPr lvl="1"/>
+            <a:r>
+              <a:rPr lang="en-US" dirty="0" smtClean="0"/>
+              <a:t>Connections w family, generational?</a:t>
+            </a:r>
+            <a:endParaRPr lang="en-US" dirty="0"/>
+          </a:p>
+        </p:txBody>
+      </p:sp>
+    </p:spTree>
+    <p:extLst>
+      <p:ext uri="{BB962C8B-B14F-4D97-AF65-F5344CB8AC3E}">
+        <p14:creationId xmlns:p14="http://schemas.microsoft.com/office/powerpoint/2010/main" val="1330389773"/>
+      </p:ext>
+    </p:extLst>
+  </p:cSld>
+  <p:clrMapOvr>
+    <a:masterClrMapping/>
+  </p:clrMapOvr>
+</p:sld>
+</file>
+
+<file path=ppt/slides/slide12.xml><?xml version="1.0" encoding="utf-8"?>
+<p:sld xmlns:a="http://schemas.openxmlformats.org/drawingml/2006/main" xmlns:r="http://schemas.openxmlformats.org/officeDocument/2006/relationships" xmlns:p="http://schemas.openxmlformats.org/presentationml/2006/main">
+  <p:cSld>
+    <p:spTree>
+      <p:nvGrpSpPr>
+        <p:cNvPr id="1" name=""/>
+        <p:cNvGrpSpPr/>
+        <p:nvPr/>
+      </p:nvGrpSpPr>
+      <p:grpSpPr>
+        <a:xfrm>
+          <a:off x="0" y="0"/>
+          <a:ext cx="0" cy="0"/>
+          <a:chOff x="0" y="0"/>
+          <a:chExt cx="0" cy="0"/>
+        </a:xfrm>
+      </p:grpSpPr>
+      <p:sp>
+        <p:nvSpPr>
+          <p:cNvPr id="2" name="Title 1"/>
+          <p:cNvSpPr>
+            <a:spLocks noGrp="1"/>
+          </p:cNvSpPr>
+          <p:nvPr>
+            <p:ph type="title"/>
+          </p:nvPr>
+        </p:nvSpPr>
+        <p:spPr/>
+        <p:txBody>
+          <a:bodyPr/>
+          <a:lstStyle/>
+          <a:p>
+            <a:r>
+              <a:rPr lang="en-US" dirty="0" smtClean="0"/>
+              <a:t>Flow chart of basic algorithm</a:t>
+            </a:r>
+            <a:endParaRPr lang="en-US" dirty="0"/>
+          </a:p>
+        </p:txBody>
+      </p:sp>
+      <p:sp>
+        <p:nvSpPr>
+          <p:cNvPr id="3" name="Content Placeholder 2"/>
+          <p:cNvSpPr>
+            <a:spLocks noGrp="1"/>
+          </p:cNvSpPr>
+          <p:nvPr>
+            <p:ph idx="1"/>
+          </p:nvPr>
+        </p:nvSpPr>
+        <p:spPr/>
+        <p:txBody>
+          <a:bodyPr/>
+          <a:lstStyle/>
+          <a:p>
+            <a:endParaRPr lang="en-US" dirty="0"/>
+          </a:p>
+        </p:txBody>
+      </p:sp>
+    </p:spTree>
+    <p:extLst>
+      <p:ext uri="{BB962C8B-B14F-4D97-AF65-F5344CB8AC3E}">
+        <p14:creationId xmlns:p14="http://schemas.microsoft.com/office/powerpoint/2010/main" val="3353959835"/>
+      </p:ext>
+    </p:extLst>
+  </p:cSld>
+  <p:clrMapOvr>
+    <a:masterClrMapping/>
+  </p:clrMapOvr>
+</p:sld>
+</file>
+
+<file path=ppt/slides/slide13.xml><?xml version="1.0" encoding="utf-8"?>
+<p:sld xmlns:a="http://schemas.openxmlformats.org/drawingml/2006/main" xmlns:r="http://schemas.openxmlformats.org/officeDocument/2006/relationships" xmlns:p="http://schemas.openxmlformats.org/presentationml/2006/main">
+  <p:cSld>
+    <p:spTree>
+      <p:nvGrpSpPr>
+        <p:cNvPr id="1" name=""/>
+        <p:cNvGrpSpPr/>
+        <p:nvPr/>
+      </p:nvGrpSpPr>
+      <p:grpSpPr>
+        <a:xfrm>
+          <a:off x="0" y="0"/>
+          <a:ext cx="0" cy="0"/>
+          <a:chOff x="0" y="0"/>
+          <a:chExt cx="0" cy="0"/>
+        </a:xfrm>
+      </p:grpSpPr>
+      <p:sp>
+        <p:nvSpPr>
+          <p:cNvPr id="2" name="Title 1"/>
+          <p:cNvSpPr>
+            <a:spLocks noGrp="1"/>
+          </p:cNvSpPr>
+          <p:nvPr>
+            <p:ph type="title"/>
+          </p:nvPr>
+        </p:nvSpPr>
+        <p:spPr/>
+        <p:txBody>
+          <a:bodyPr/>
+          <a:lstStyle/>
+          <a:p>
+            <a:r>
+              <a:rPr lang="en-US" dirty="0" smtClean="0"/>
+              <a:t>Results</a:t>
+            </a:r>
+            <a:endParaRPr lang="en-US" dirty="0"/>
+          </a:p>
+        </p:txBody>
+      </p:sp>
+      <p:sp>
+        <p:nvSpPr>
+          <p:cNvPr id="3" name="Content Placeholder 2"/>
+          <p:cNvSpPr>
+            <a:spLocks noGrp="1"/>
+          </p:cNvSpPr>
+          <p:nvPr>
+            <p:ph idx="1"/>
+          </p:nvPr>
+        </p:nvSpPr>
+        <p:spPr/>
+        <p:txBody>
+          <a:bodyPr/>
+          <a:lstStyle/>
+          <a:p>
+            <a:r>
+              <a:rPr lang="en-US" dirty="0" smtClean="0"/>
+              <a:t>Different graphs showing levels of accuracy in each method?</a:t>
+            </a:r>
+          </a:p>
+          <a:p>
+            <a:pPr lvl="1"/>
+            <a:r>
+              <a:rPr lang="en-US" dirty="0" smtClean="0"/>
+              <a:t>Prediction vs clustering?</a:t>
+            </a:r>
+          </a:p>
+          <a:p>
+            <a:endParaRPr lang="en-US" dirty="0"/>
+          </a:p>
+          <a:p>
+            <a:r>
+              <a:rPr lang="en-US" dirty="0" smtClean="0"/>
+              <a:t>Table charting the comparisons among approaches</a:t>
+            </a:r>
+            <a:endParaRPr lang="en-US" dirty="0"/>
+          </a:p>
+        </p:txBody>
+      </p:sp>
+    </p:spTree>
+    <p:extLst>
+      <p:ext uri="{BB962C8B-B14F-4D97-AF65-F5344CB8AC3E}">
+        <p14:creationId xmlns:p14="http://schemas.microsoft.com/office/powerpoint/2010/main" val="607654130"/>
+      </p:ext>
+    </p:extLst>
+  </p:cSld>
+  <p:clrMapOvr>
+    <a:masterClrMapping/>
+  </p:clrMapOvr>
+</p:sld>
+</file>
+
+<file path=ppt/slides/slide14.xml><?xml version="1.0" encoding="utf-8"?>
+<p:sld xmlns:a="http://schemas.openxmlformats.org/drawingml/2006/main" xmlns:r="http://schemas.openxmlformats.org/officeDocument/2006/relationships" xmlns:p="http://schemas.openxmlformats.org/presentationml/2006/main">
+  <p:cSld>
+    <p:spTree>
+      <p:nvGrpSpPr>
+        <p:cNvPr id="1" name=""/>
+        <p:cNvGrpSpPr/>
+        <p:nvPr/>
+      </p:nvGrpSpPr>
+      <p:grpSpPr>
+        <a:xfrm>
+          <a:off x="0" y="0"/>
+          <a:ext cx="0" cy="0"/>
+          <a:chOff x="0" y="0"/>
+          <a:chExt cx="0" cy="0"/>
+        </a:xfrm>
+      </p:grpSpPr>
+      <p:sp>
+        <p:nvSpPr>
+          <p:cNvPr id="2" name="Title 1"/>
+          <p:cNvSpPr>
+            <a:spLocks noGrp="1"/>
+          </p:cNvSpPr>
+          <p:nvPr>
+            <p:ph type="title"/>
+          </p:nvPr>
+        </p:nvSpPr>
+        <p:spPr/>
+        <p:txBody>
+          <a:bodyPr/>
+          <a:lstStyle/>
+          <a:p>
+            <a:r>
+              <a:rPr lang="en-US" dirty="0" smtClean="0"/>
+              <a:t>Conclusions??</a:t>
+            </a:r>
+            <a:endParaRPr lang="en-US" dirty="0"/>
+          </a:p>
+        </p:txBody>
+      </p:sp>
+      <p:sp>
+        <p:nvSpPr>
+          <p:cNvPr id="3" name="Content Placeholder 2"/>
+          <p:cNvSpPr>
+            <a:spLocks noGrp="1"/>
+          </p:cNvSpPr>
+          <p:nvPr>
+            <p:ph idx="1"/>
+          </p:nvPr>
+        </p:nvSpPr>
+        <p:spPr/>
+        <p:txBody>
+          <a:bodyPr/>
+          <a:lstStyle/>
+          <a:p>
+            <a:endParaRPr lang="en-US"/>
+          </a:p>
+        </p:txBody>
+      </p:sp>
+    </p:spTree>
+    <p:extLst>
+      <p:ext uri="{BB962C8B-B14F-4D97-AF65-F5344CB8AC3E}">
+        <p14:creationId xmlns:p14="http://schemas.microsoft.com/office/powerpoint/2010/main" val="188727833"/>
+      </p:ext>
+    </p:extLst>
+  </p:cSld>
+  <p:clrMapOvr>
+    <a:masterClrMapping/>
+  </p:clrMapOvr>
+</p:sld>
+</file>
+
+<file path=ppt/slides/slide15.xml><?xml version="1.0" encoding="utf-8"?>
+<p:sld xmlns:a="http://schemas.openxmlformats.org/drawingml/2006/main" xmlns:r="http://schemas.openxmlformats.org/officeDocument/2006/relationships" xmlns:p="http://schemas.openxmlformats.org/presentationml/2006/main">
+  <p:cSld>
+    <p:spTree>
+      <p:nvGrpSpPr>
+        <p:cNvPr id="1" name=""/>
+        <p:cNvGrpSpPr/>
+        <p:nvPr/>
+      </p:nvGrpSpPr>
+      <p:grpSpPr>
+        <a:xfrm>
+          <a:off x="0" y="0"/>
+          <a:ext cx="0" cy="0"/>
+          <a:chOff x="0" y="0"/>
+          <a:chExt cx="0" cy="0"/>
+        </a:xfrm>
+      </p:grpSpPr>
+      <p:sp>
+        <p:nvSpPr>
+          <p:cNvPr id="2" name="Title 1"/>
+          <p:cNvSpPr>
+            <a:spLocks noGrp="1"/>
+          </p:cNvSpPr>
+          <p:nvPr>
+            <p:ph type="title"/>
+          </p:nvPr>
+        </p:nvSpPr>
+        <p:spPr/>
+        <p:txBody>
+          <a:bodyPr/>
+          <a:lstStyle/>
+          <a:p>
+            <a:r>
+              <a:rPr lang="en-US" dirty="0" smtClean="0"/>
+              <a:t>Future Work/Improvements</a:t>
+            </a:r>
+            <a:endParaRPr lang="en-US" dirty="0"/>
+          </a:p>
+        </p:txBody>
+      </p:sp>
+      <p:sp>
+        <p:nvSpPr>
+          <p:cNvPr id="3" name="Content Placeholder 2"/>
+          <p:cNvSpPr>
+            <a:spLocks noGrp="1"/>
+          </p:cNvSpPr>
+          <p:nvPr>
+            <p:ph idx="1"/>
+          </p:nvPr>
+        </p:nvSpPr>
+        <p:spPr/>
+        <p:txBody>
+          <a:bodyPr/>
+          <a:lstStyle/>
+          <a:p>
+            <a:endParaRPr lang="en-US"/>
+          </a:p>
+        </p:txBody>
+      </p:sp>
+    </p:spTree>
+    <p:extLst>
+      <p:ext uri="{BB962C8B-B14F-4D97-AF65-F5344CB8AC3E}">
+        <p14:creationId xmlns:p14="http://schemas.microsoft.com/office/powerpoint/2010/main" val="2887223663"/>
+      </p:ext>
+    </p:extLst>
+  </p:cSld>
+  <p:clrMapOvr>
+    <a:masterClrMapping/>
+  </p:clrMapOvr>
+</p:sld>
+</file>
+
+<file path=ppt/slides/slide16.xml><?xml version="1.0" encoding="utf-8"?>
+<p:sld xmlns:a="http://schemas.openxmlformats.org/drawingml/2006/main" xmlns:r="http://schemas.openxmlformats.org/officeDocument/2006/relationships" xmlns:p="http://schemas.openxmlformats.org/presentationml/2006/main">
+  <p:cSld>
+    <p:spTree>
+      <p:nvGrpSpPr>
+        <p:cNvPr id="1" name=""/>
+        <p:cNvGrpSpPr/>
+        <p:nvPr/>
+      </p:nvGrpSpPr>
+      <p:grpSpPr>
+        <a:xfrm>
+          <a:off x="0" y="0"/>
+          <a:ext cx="0" cy="0"/>
+          <a:chOff x="0" y="0"/>
+          <a:chExt cx="0" cy="0"/>
+        </a:xfrm>
+      </p:grpSpPr>
+      <p:sp>
+        <p:nvSpPr>
+          <p:cNvPr id="2" name="Title 1"/>
+          <p:cNvSpPr>
+            <a:spLocks noGrp="1"/>
+          </p:cNvSpPr>
+          <p:nvPr>
+            <p:ph type="title"/>
+          </p:nvPr>
+        </p:nvSpPr>
+        <p:spPr/>
+        <p:txBody>
+          <a:bodyPr/>
+          <a:lstStyle/>
+          <a:p>
+            <a:r>
+              <a:rPr lang="en-US" dirty="0" smtClean="0"/>
+              <a:t>References</a:t>
+            </a:r>
+            <a:endParaRPr lang="en-US" dirty="0"/>
+          </a:p>
+        </p:txBody>
+      </p:sp>
+      <p:sp>
+        <p:nvSpPr>
+          <p:cNvPr id="3" name="Content Placeholder 2"/>
+          <p:cNvSpPr>
+            <a:spLocks noGrp="1"/>
+          </p:cNvSpPr>
+          <p:nvPr>
+            <p:ph idx="1"/>
+          </p:nvPr>
+        </p:nvSpPr>
+        <p:spPr/>
+        <p:txBody>
+          <a:bodyPr/>
+          <a:lstStyle/>
+          <a:p>
+            <a:r>
+              <a:rPr lang="en-US" dirty="0">
+                <a:hlinkClick r:id="rId2"/>
+              </a:rPr>
+              <a:t>https://www.propublica.org/article/how-we-analyzed-the-compas-recidivism-algorithm</a:t>
+            </a:r>
+            <a:endParaRPr lang="en-US" dirty="0" smtClean="0">
+              <a:hlinkClick r:id="rId2"/>
+            </a:endParaRPr>
+          </a:p>
+          <a:p>
+            <a:endParaRPr lang="en-US" dirty="0">
+              <a:hlinkClick r:id="rId2"/>
+            </a:endParaRPr>
+          </a:p>
+          <a:p>
+            <a:r>
+              <a:rPr lang="en-US" dirty="0" smtClean="0">
+                <a:hlinkClick r:id="rId2"/>
+              </a:rPr>
+              <a:t>https</a:t>
+            </a:r>
+            <a:r>
+              <a:rPr lang="en-US" dirty="0">
+                <a:hlinkClick r:id="rId2"/>
+              </a:rPr>
+              <a:t>://</a:t>
+            </a:r>
+            <a:r>
+              <a:rPr lang="en-US" dirty="0" smtClean="0">
+                <a:hlinkClick r:id="rId2"/>
+              </a:rPr>
+              <a:t>www.theguardian.com/commentisfree/2016/jun/26/algorithms-racial-bias-offenders-florida</a:t>
+            </a:r>
+            <a:endParaRPr lang="en-US" dirty="0" smtClean="0"/>
+          </a:p>
+          <a:p>
+            <a:endParaRPr lang="en-US" dirty="0" smtClean="0">
+              <a:hlinkClick r:id="rId3"/>
+            </a:endParaRPr>
+          </a:p>
+          <a:p>
+            <a:r>
+              <a:rPr lang="en-US" dirty="0" smtClean="0">
+                <a:hlinkClick r:id="rId3"/>
+              </a:rPr>
+              <a:t>http</a:t>
+            </a:r>
+            <a:r>
+              <a:rPr lang="en-US" dirty="0">
+                <a:hlinkClick r:id="rId3"/>
+              </a:rPr>
+              <a:t>://</a:t>
+            </a:r>
+            <a:r>
+              <a:rPr lang="en-US" dirty="0" smtClean="0">
+                <a:hlinkClick r:id="rId3"/>
+              </a:rPr>
+              <a:t>www.northpointeinc.com/files/downloads/FAQ_Document.pdf</a:t>
+            </a:r>
+            <a:endParaRPr lang="en-US" dirty="0" smtClean="0"/>
+          </a:p>
+          <a:p>
+            <a:endParaRPr lang="en-US" dirty="0"/>
+          </a:p>
+          <a:p>
+            <a:r>
+              <a:rPr lang="en-US">
+                <a:hlinkClick r:id="rId4"/>
+              </a:rPr>
+              <a:t>http</a:t>
+            </a:r>
+            <a:r>
+              <a:rPr lang="en-US">
+                <a:hlinkClick r:id="rId4"/>
+              </a:rPr>
+              <a:t>://</a:t>
+            </a:r>
+            <a:r>
+              <a:rPr lang="en-US" smtClean="0">
+                <a:hlinkClick r:id="rId4"/>
+              </a:rPr>
+              <a:t>www.northpointeinc.com/files/technical_documents/FieldGuide2_081412.pdf</a:t>
+            </a:r>
+            <a:endParaRPr lang="en-US" smtClean="0"/>
+          </a:p>
+          <a:p>
+            <a:endParaRPr lang="en-US" dirty="0" smtClean="0"/>
+          </a:p>
+          <a:p>
+            <a:endParaRPr lang="en-US" dirty="0" smtClean="0"/>
+          </a:p>
+          <a:p>
+            <a:endParaRPr lang="en-US" dirty="0"/>
+          </a:p>
+        </p:txBody>
+      </p:sp>
+    </p:spTree>
+    <p:extLst>
+      <p:ext uri="{BB962C8B-B14F-4D97-AF65-F5344CB8AC3E}">
+        <p14:creationId xmlns:p14="http://schemas.microsoft.com/office/powerpoint/2010/main" val="4031140347"/>
+      </p:ext>
+    </p:extLst>
+  </p:cSld>
+  <p:clrMapOvr>
+    <a:masterClrMapping/>
+  </p:clrMapOvr>
+</p:sld>
+</file>
+
 <file path=ppt/slides/slide2.xml><?xml version="1.0" encoding="utf-8"?>
 <p:sld xmlns:a="http://schemas.openxmlformats.org/drawingml/2006/main" xmlns:r="http://schemas.openxmlformats.org/officeDocument/2006/relationships" xmlns:p="http://schemas.openxmlformats.org/presentationml/2006/main">
   <p:cSld>
@@ -3373,7 +4071,11 @@
           <a:bodyPr/>
           <a:lstStyle/>
           <a:p>
-            <a:endParaRPr lang="en-US"/>
+            <a:r>
+              <a:rPr lang="en-US" dirty="0" smtClean="0"/>
+              <a:t>Motivation</a:t>
+            </a:r>
+            <a:endParaRPr lang="en-US" dirty="0"/>
           </a:p>
         </p:txBody>
       </p:sp>
@@ -3737,7 +4439,7 @@
           <a:p>
             <a:r>
               <a:rPr lang="en-US" dirty="0" smtClean="0"/>
-              <a:t>Step 1</a:t>
+              <a:t>Objective, Target</a:t>
             </a:r>
             <a:endParaRPr lang="en-US" dirty="0"/>
           </a:p>
@@ -3760,44 +4462,17 @@
           <a:p>
             <a:r>
               <a:rPr lang="en-US" dirty="0" smtClean="0"/>
-              <a:t>How </a:t>
-            </a:r>
-            <a:r>
-              <a:rPr lang="en-US" dirty="0"/>
-              <a:t>far off are the predictions</a:t>
-            </a:r>
-            <a:r>
-              <a:rPr lang="en-US" dirty="0" smtClean="0"/>
-              <a:t>?</a:t>
-            </a:r>
-          </a:p>
-          <a:p>
-            <a:pPr lvl="1"/>
-            <a:r>
-              <a:rPr lang="en-US" dirty="0" smtClean="0"/>
-              <a:t>In forecasting recidivism?</a:t>
-            </a:r>
-          </a:p>
-          <a:p>
-            <a:pPr lvl="1"/>
-            <a:r>
-              <a:rPr lang="en-US" dirty="0" smtClean="0"/>
-              <a:t>In forecasting violent crime, specifically (only 20% of all predicted actually did)</a:t>
-            </a:r>
-          </a:p>
-          <a:p>
-            <a:pPr lvl="1"/>
-            <a:endParaRPr lang="en-US" dirty="0"/>
-          </a:p>
-          <a:p>
-            <a:r>
-              <a:rPr lang="en-US" dirty="0"/>
-              <a:t>When a full range of crimes were taken into account — including misdemeanors such as driving with an expired license — the algorithm was somewhat more accurate than a coin flip. Of those deemed likely to re-offend, 61 percent were arrested for any subsequent crimes within two years.</a:t>
-            </a:r>
-            <a:endParaRPr lang="en-US" dirty="0" smtClean="0"/>
-          </a:p>
-          <a:p>
-            <a:pPr lvl="1"/>
+              <a:t>Evaluate predictive accuracy/power of current algorithm, as shown by COMPAS scores vs. actual recidivism data</a:t>
+            </a:r>
+          </a:p>
+          <a:p>
+            <a:endParaRPr lang="en-US" dirty="0"/>
+          </a:p>
+          <a:p>
+            <a:r>
+              <a:rPr lang="en-US" dirty="0" smtClean="0"/>
+              <a:t>Develop an algorithm/method to improve predictive power by removing/minimizing biases</a:t>
+            </a:r>
             <a:endParaRPr lang="en-US" dirty="0"/>
           </a:p>
         </p:txBody>
@@ -3805,7 +4480,7 @@
     </p:spTree>
     <p:extLst>
       <p:ext uri="{BB962C8B-B14F-4D97-AF65-F5344CB8AC3E}">
-        <p14:creationId xmlns:p14="http://schemas.microsoft.com/office/powerpoint/2010/main" val="1241681722"/>
+        <p14:creationId xmlns:p14="http://schemas.microsoft.com/office/powerpoint/2010/main" val="3354066038"/>
       </p:ext>
     </p:extLst>
   </p:cSld>
@@ -3849,7 +4524,7 @@
           <a:p>
             <a:r>
               <a:rPr lang="en-US" dirty="0" smtClean="0"/>
-              <a:t>Step 2</a:t>
+              <a:t>Data Exploration 1/?</a:t>
             </a:r>
             <a:endParaRPr lang="en-US" dirty="0"/>
           </a:p>
@@ -3867,38 +4542,95 @@
         </p:nvSpPr>
         <p:spPr/>
         <p:txBody>
-          <a:bodyPr/>
-          <a:lstStyle/>
-          <a:p>
-            <a:r>
-              <a:rPr lang="en-US" dirty="0" smtClean="0"/>
-              <a:t>What are some ways we could better have predicted the outcome/recidivism of each person?</a:t>
-            </a:r>
-          </a:p>
-          <a:p>
-            <a:endParaRPr lang="en-US" dirty="0"/>
-          </a:p>
-          <a:p>
-            <a:r>
-              <a:rPr lang="en-US" dirty="0" smtClean="0"/>
-              <a:t>Regression models?</a:t>
-            </a:r>
-          </a:p>
-          <a:p>
-            <a:endParaRPr lang="en-US" dirty="0"/>
-          </a:p>
-          <a:p>
-            <a:r>
-              <a:rPr lang="en-US" dirty="0" smtClean="0"/>
-              <a:t>Would clustering do anything to help predict? (collaborative/content filtering)</a:t>
-            </a:r>
+          <a:bodyPr>
+            <a:normAutofit fontScale="92500" lnSpcReduction="20000"/>
+          </a:bodyPr>
+          <a:lstStyle/>
+          <a:p>
+            <a:r>
+              <a:rPr lang="en-US" dirty="0" smtClean="0"/>
+              <a:t>How </a:t>
+            </a:r>
+            <a:r>
+              <a:rPr lang="en-US" dirty="0"/>
+              <a:t>far off are the predictions</a:t>
+            </a:r>
+            <a:r>
+              <a:rPr lang="en-US" dirty="0" smtClean="0"/>
+              <a:t>?</a:t>
+            </a:r>
+          </a:p>
+          <a:p>
+            <a:pPr lvl="1"/>
+            <a:r>
+              <a:rPr lang="en-US" dirty="0" smtClean="0"/>
+              <a:t>In forecasting recidivism?</a:t>
+            </a:r>
+          </a:p>
+          <a:p>
+            <a:pPr lvl="1"/>
+            <a:r>
+              <a:rPr lang="en-US" dirty="0" smtClean="0"/>
+              <a:t>In forecasting violent crime, specifically (only 20% of all predicted actually did)</a:t>
+            </a:r>
+          </a:p>
+          <a:p>
+            <a:pPr lvl="1"/>
+            <a:endParaRPr lang="en-US" dirty="0"/>
+          </a:p>
+          <a:p>
+            <a:r>
+              <a:rPr lang="en-US" dirty="0"/>
+              <a:t>When a full range of crimes were taken into account — including misdemeanors such as driving with an expired license — the algorithm was somewhat more accurate than a coin flip. Of those deemed likely to re-offend, 61 percent were arrested for any subsequent crimes within two years</a:t>
+            </a:r>
+            <a:r>
+              <a:rPr lang="en-US" dirty="0" smtClean="0"/>
+              <a:t>.</a:t>
+            </a:r>
+          </a:p>
+          <a:p>
+            <a:endParaRPr lang="en-US" dirty="0"/>
+          </a:p>
+          <a:p>
+            <a:r>
+              <a:rPr lang="en-US" dirty="0" smtClean="0"/>
+              <a:t>Train Data</a:t>
+            </a:r>
+          </a:p>
+          <a:p>
+            <a:pPr lvl="1"/>
+            <a:r>
+              <a:rPr lang="en-US" dirty="0" smtClean="0"/>
+              <a:t>What kind of data sets we get, how big</a:t>
+            </a:r>
+          </a:p>
+          <a:p>
+            <a:pPr lvl="1"/>
+            <a:endParaRPr lang="en-US" dirty="0"/>
+          </a:p>
+          <a:p>
+            <a:r>
+              <a:rPr lang="en-US" dirty="0" smtClean="0"/>
+              <a:t>Test Data</a:t>
+            </a:r>
+          </a:p>
+          <a:p>
+            <a:pPr lvl="1"/>
+            <a:r>
+              <a:rPr lang="en-US" dirty="0" smtClean="0"/>
+              <a:t>Test multiple times to avoid overfitting, how big is data</a:t>
+            </a:r>
+          </a:p>
+          <a:p>
+            <a:pPr lvl="1"/>
+            <a:endParaRPr lang="en-US" dirty="0"/>
           </a:p>
         </p:txBody>
       </p:sp>
     </p:spTree>
     <p:extLst>
       <p:ext uri="{BB962C8B-B14F-4D97-AF65-F5344CB8AC3E}">
-        <p14:creationId xmlns:p14="http://schemas.microsoft.com/office/powerpoint/2010/main" val="2558034320"/>
+        <p14:creationId xmlns:p14="http://schemas.microsoft.com/office/powerpoint/2010/main" val="1241681722"/>
       </p:ext>
     </p:extLst>
   </p:cSld>
@@ -3942,7 +4674,7 @@
           <a:p>
             <a:r>
               <a:rPr lang="en-US" dirty="0" smtClean="0"/>
-              <a:t>Step 3</a:t>
+              <a:t>Data Exploration 2/?</a:t>
             </a:r>
             <a:endParaRPr lang="en-US" dirty="0"/>
           </a:p>
@@ -3965,43 +4697,57 @@
           <a:p>
             <a:r>
               <a:rPr lang="en-US" dirty="0" smtClean="0"/>
-              <a:t>Best alternative method</a:t>
-            </a:r>
-          </a:p>
-          <a:p>
-            <a:endParaRPr lang="en-US" dirty="0"/>
-          </a:p>
-          <a:p>
-            <a:r>
-              <a:rPr lang="en-US" dirty="0" smtClean="0"/>
-              <a:t>Evaluate how much better than original COMPAS scores, predictive value add-on</a:t>
-            </a:r>
-          </a:p>
-          <a:p>
-            <a:endParaRPr lang="en-US" dirty="0"/>
-          </a:p>
-          <a:p>
-            <a:r>
-              <a:rPr lang="en-US" dirty="0" smtClean="0"/>
-              <a:t>Ways model(s) could be improved</a:t>
-            </a:r>
-          </a:p>
-          <a:p>
-            <a:endParaRPr lang="en-US" dirty="0"/>
-          </a:p>
-          <a:p>
-            <a:r>
-              <a:rPr lang="en-US" dirty="0" smtClean="0"/>
-              <a:t>What other variables might be helpful/useful to collect moving forward</a:t>
-            </a:r>
-            <a:endParaRPr lang="en-US" dirty="0"/>
+              <a:t>What are some ways we could better have predicted the outcome/recidivism of each person?</a:t>
+            </a:r>
+          </a:p>
+          <a:p>
+            <a:endParaRPr lang="en-US" dirty="0"/>
+          </a:p>
+          <a:p>
+            <a:r>
+              <a:rPr lang="en-US" dirty="0" smtClean="0"/>
+              <a:t>Regression models?</a:t>
+            </a:r>
+          </a:p>
+          <a:p>
+            <a:endParaRPr lang="en-US" dirty="0"/>
+          </a:p>
+          <a:p>
+            <a:r>
+              <a:rPr lang="en-US" dirty="0" smtClean="0"/>
+              <a:t>Would clustering do anything to help predict? (collaborative/content filtering)</a:t>
+            </a:r>
+          </a:p>
+          <a:p>
+            <a:pPr lvl="1"/>
+            <a:r>
+              <a:rPr lang="en-US" dirty="0"/>
+              <a:t>Hierarchical clustering – cluster </a:t>
+            </a:r>
+            <a:r>
+              <a:rPr lang="en-US" dirty="0" err="1"/>
+              <a:t>gropus</a:t>
+            </a:r>
+            <a:r>
+              <a:rPr lang="en-US" dirty="0"/>
+              <a:t> of people given a particular COMPAS rank </a:t>
+            </a:r>
+          </a:p>
+          <a:p>
+            <a:r>
+              <a:rPr lang="en-US" dirty="0"/>
+              <a:t> </a:t>
+            </a:r>
+          </a:p>
+          <a:p>
+            <a:endParaRPr lang="en-US" dirty="0" smtClean="0"/>
           </a:p>
         </p:txBody>
       </p:sp>
     </p:spTree>
     <p:extLst>
       <p:ext uri="{BB962C8B-B14F-4D97-AF65-F5344CB8AC3E}">
-        <p14:creationId xmlns:p14="http://schemas.microsoft.com/office/powerpoint/2010/main" val="1330389773"/>
+        <p14:creationId xmlns:p14="http://schemas.microsoft.com/office/powerpoint/2010/main" val="2558034320"/>
       </p:ext>
     </p:extLst>
   </p:cSld>
@@ -4043,7 +4789,11 @@
           <a:bodyPr/>
           <a:lstStyle/>
           <a:p>
-            <a:endParaRPr lang="en-US"/>
+            <a:r>
+              <a:rPr lang="en-US" dirty="0" smtClean="0"/>
+              <a:t>Data Exploration 3/?</a:t>
+            </a:r>
+            <a:endParaRPr lang="en-US" dirty="0"/>
           </a:p>
         </p:txBody>
       </p:sp>
@@ -4063,40 +4813,34 @@
           <a:lstStyle/>
           <a:p>
             <a:r>
-              <a:rPr lang="en-US" dirty="0">
-                <a:hlinkClick r:id="rId2"/>
-              </a:rPr>
-              <a:t>https://www.propublica.org/article/how-we-analyzed-the-compas-recidivism-algorithm</a:t>
-            </a:r>
-            <a:endParaRPr lang="en-US" dirty="0" smtClean="0">
-              <a:hlinkClick r:id="rId2"/>
-            </a:endParaRPr>
-          </a:p>
-          <a:p>
-            <a:endParaRPr lang="en-US" dirty="0">
-              <a:hlinkClick r:id="rId2"/>
-            </a:endParaRPr>
-          </a:p>
-          <a:p>
-            <a:r>
-              <a:rPr lang="en-US" dirty="0" smtClean="0">
-                <a:hlinkClick r:id="rId2"/>
-              </a:rPr>
-              <a:t>https</a:t>
-            </a:r>
-            <a:r>
-              <a:rPr lang="en-US" dirty="0">
-                <a:hlinkClick r:id="rId2"/>
-              </a:rPr>
-              <a:t>://</a:t>
-            </a:r>
-            <a:r>
-              <a:rPr lang="en-US" dirty="0" smtClean="0">
-                <a:hlinkClick r:id="rId2"/>
-              </a:rPr>
-              <a:t>www.theguardian.com/commentisfree/2016/jun/26/algorithms-racial-bias-offenders-florida</a:t>
-            </a:r>
-            <a:endParaRPr lang="en-US" dirty="0" smtClean="0"/>
+              <a:rPr lang="en-US" dirty="0" smtClean="0"/>
+              <a:t>Graphs, ggplot2</a:t>
+            </a:r>
+          </a:p>
+          <a:p>
+            <a:endParaRPr lang="en-US" dirty="0"/>
+          </a:p>
+          <a:p>
+            <a:r>
+              <a:rPr lang="en-US" dirty="0" smtClean="0"/>
+              <a:t>Distributions among classes?</a:t>
+            </a:r>
+          </a:p>
+          <a:p>
+            <a:endParaRPr lang="en-US" dirty="0"/>
+          </a:p>
+          <a:p>
+            <a:r>
+              <a:rPr lang="en-US" dirty="0" smtClean="0"/>
+              <a:t>Violent vs. nonviolent vs. all</a:t>
+            </a:r>
+          </a:p>
+          <a:p>
+            <a:pPr lvl="1"/>
+            <a:r>
+              <a:rPr lang="en-US" dirty="0" smtClean="0"/>
+              <a:t>How do these scores compare?</a:t>
+            </a:r>
           </a:p>
           <a:p>
             <a:endParaRPr lang="en-US" dirty="0"/>
@@ -4106,7 +4850,7 @@
     </p:spTree>
     <p:extLst>
       <p:ext uri="{BB962C8B-B14F-4D97-AF65-F5344CB8AC3E}">
-        <p14:creationId xmlns:p14="http://schemas.microsoft.com/office/powerpoint/2010/main" val="4031140347"/>
+        <p14:creationId xmlns:p14="http://schemas.microsoft.com/office/powerpoint/2010/main" val="2000199085"/>
       </p:ext>
     </p:extLst>
   </p:cSld>
